--- a/design/ppt/集群集市-化不可能为可能.pptx
+++ b/design/ppt/集群集市-化不可能为可能.pptx
@@ -8285,7 +8285,7 @@
                 <a:ea typeface="HanziPen SC" panose="03000300000000000000" pitchFamily="66" charset="-122"/>
                 <a:sym typeface="Roboto Th" pitchFamily="2" charset="0"/>
               </a:rPr>
-              <a:t>郝梦萝</a:t>
+              <a:t>郝梦罗</a:t>
             </a:r>
           </a:p>
         </p:txBody>
@@ -10835,12 +10835,12 @@
   </p:clrMapOvr>
   <mc:AlternateContent xmlns:mc="http://schemas.openxmlformats.org/markup-compatibility/2006" xmlns:p14="http://schemas.microsoft.com/office/powerpoint/2010/main">
     <mc:Choice Requires="p14">
-      <p:transition spd="slow" p14:dur="4000" advTm="3000">
+      <p:transition spd="slow" p14:dur="4000">
         <p14:vortex/>
       </p:transition>
     </mc:Choice>
     <mc:Fallback xmlns="">
-      <p:transition spd="slow" advTm="3000">
+      <p:transition spd="slow">
         <p:fade/>
       </p:transition>
     </mc:Fallback>
